--- a/PPTs/L1 Data Representation Exercises ANS.pptx
+++ b/PPTs/L1 Data Representation Exercises ANS.pptx
@@ -157,12 +157,20 @@
 </p:presentation>
 </file>
 
+<file path=ppt/revisionInfo.xml><?xml version="1.0" encoding="utf-8"?>
+<p1510:revInfo xmlns:a="http://schemas.openxmlformats.org/drawingml/2006/main" xmlns:r="http://schemas.openxmlformats.org/officeDocument/2006/relationships" xmlns:p1510="http://schemas.microsoft.com/office/powerpoint/2015/10/main">
+  <p1510:revLst>
+    <p1510:client id="{0D7B9918-F8B8-448A-BE73-9D4DAA7963B4}" v="47" dt="2025-09-04T21:09:16.596"/>
+  </p1510:revLst>
+</p1510:revInfo>
+</file>
+
 <file path=ppt/changesInfos/changesInfo1.xml><?xml version="1.0" encoding="utf-8"?>
 <pc:chgInfo xmlns:a="http://schemas.openxmlformats.org/drawingml/2006/main" xmlns:r="http://schemas.openxmlformats.org/officeDocument/2006/relationships" xmlns:ac="http://schemas.microsoft.com/office/drawing/2013/main/command" xmlns:pc="http://schemas.microsoft.com/office/powerpoint/2013/main/command">
   <pc:docChgLst>
     <pc:chgData name="Zonghua Gu" userId="9a7e1853e1951ef5" providerId="LiveId" clId="{CF1FAA12-072C-4ED5-BA76-0FFFAEFDB88A}"/>
-    <pc:docChg chg="custSel modSld">
-      <pc:chgData name="Zonghua Gu" userId="9a7e1853e1951ef5" providerId="LiveId" clId="{CF1FAA12-072C-4ED5-BA76-0FFFAEFDB88A}" dt="2025-09-02T23:29:51.318" v="4" actId="20577"/>
+    <pc:docChg chg="undo custSel modSld">
+      <pc:chgData name="Zonghua Gu" userId="9a7e1853e1951ef5" providerId="LiveId" clId="{CF1FAA12-072C-4ED5-BA76-0FFFAEFDB88A}" dt="2025-09-04T21:10:23.949" v="152" actId="1076"/>
       <pc:docMkLst>
         <pc:docMk/>
       </pc:docMkLst>
@@ -180,14 +188,52 @@
             <ac:spMk id="16386" creationId="{00000000-0000-0000-0000-000000000000}"/>
           </ac:spMkLst>
         </pc:spChg>
-        <pc:picChg chg="del">
-          <ac:chgData name="Zonghua Gu" userId="9a7e1853e1951ef5" providerId="LiveId" clId="{CF1FAA12-072C-4ED5-BA76-0FFFAEFDB88A}" dt="2025-09-02T23:27:24.355" v="0" actId="478"/>
-          <ac:picMkLst>
+      </pc:sldChg>
+      <pc:sldChg chg="modSp mod">
+        <pc:chgData name="Zonghua Gu" userId="9a7e1853e1951ef5" providerId="LiveId" clId="{CF1FAA12-072C-4ED5-BA76-0FFFAEFDB88A}" dt="2025-09-04T20:39:19.683" v="20" actId="20577"/>
+        <pc:sldMkLst>
+          <pc:docMk/>
+          <pc:sldMk cId="3239216658" sldId="365"/>
+        </pc:sldMkLst>
+        <pc:spChg chg="mod">
+          <ac:chgData name="Zonghua Gu" userId="9a7e1853e1951ef5" providerId="LiveId" clId="{CF1FAA12-072C-4ED5-BA76-0FFFAEFDB88A}" dt="2025-09-04T20:39:19.683" v="20" actId="20577"/>
+          <ac:spMkLst>
             <pc:docMk/>
-            <pc:sldMk cId="1692472849" sldId="342"/>
-            <ac:picMk id="5" creationId="{00000000-0000-0000-0000-000000000000}"/>
-          </ac:picMkLst>
-        </pc:picChg>
+            <pc:sldMk cId="3239216658" sldId="365"/>
+            <ac:spMk id="3" creationId="{00000000-0000-0000-0000-000000000000}"/>
+          </ac:spMkLst>
+        </pc:spChg>
+      </pc:sldChg>
+      <pc:sldChg chg="addSp delSp modSp mod modAnim">
+        <pc:chgData name="Zonghua Gu" userId="9a7e1853e1951ef5" providerId="LiveId" clId="{CF1FAA12-072C-4ED5-BA76-0FFFAEFDB88A}" dt="2025-09-04T21:10:23.949" v="152" actId="1076"/>
+        <pc:sldMkLst>
+          <pc:docMk/>
+          <pc:sldMk cId="3413348423" sldId="367"/>
+        </pc:sldMkLst>
+        <pc:spChg chg="mod">
+          <ac:chgData name="Zonghua Gu" userId="9a7e1853e1951ef5" providerId="LiveId" clId="{CF1FAA12-072C-4ED5-BA76-0FFFAEFDB88A}" dt="2025-09-04T21:09:16.596" v="150" actId="20577"/>
+          <ac:spMkLst>
+            <pc:docMk/>
+            <pc:sldMk cId="3413348423" sldId="367"/>
+            <ac:spMk id="3" creationId="{00000000-0000-0000-0000-000000000000}"/>
+          </ac:spMkLst>
+        </pc:spChg>
+        <pc:spChg chg="add del">
+          <ac:chgData name="Zonghua Gu" userId="9a7e1853e1951ef5" providerId="LiveId" clId="{CF1FAA12-072C-4ED5-BA76-0FFFAEFDB88A}" dt="2025-09-04T21:04:50.110" v="71" actId="22"/>
+          <ac:spMkLst>
+            <pc:docMk/>
+            <pc:sldMk cId="3413348423" sldId="367"/>
+            <ac:spMk id="6" creationId="{651E0216-38C3-86C7-6B93-8534C23A82A6}"/>
+          </ac:spMkLst>
+        </pc:spChg>
+        <pc:graphicFrameChg chg="add mod modGraphic">
+          <ac:chgData name="Zonghua Gu" userId="9a7e1853e1951ef5" providerId="LiveId" clId="{CF1FAA12-072C-4ED5-BA76-0FFFAEFDB88A}" dt="2025-09-04T21:10:23.949" v="152" actId="1076"/>
+          <ac:graphicFrameMkLst>
+            <pc:docMk/>
+            <pc:sldMk cId="3413348423" sldId="367"/>
+            <ac:graphicFrameMk id="4" creationId="{E675A2F8-1917-E32A-1D6F-9612FFD62311}"/>
+          </ac:graphicFrameMkLst>
+        </pc:graphicFrameChg>
       </pc:sldChg>
     </pc:docChg>
   </pc:docChgLst>
@@ -277,7 +323,7 @@
             <a:fld id="{2AEAFE1F-9E52-45C8-9793-E819F0044A1C}" type="datetimeFigureOut">
               <a:rPr lang="en-US" smtClean="0"/>
               <a:pPr/>
-              <a:t>9/2/2025</a:t>
+              <a:t>9/4/2025</a:t>
             </a:fld>
             <a:endParaRPr lang="en-US"/>
           </a:p>
@@ -2250,7 +2296,7 @@
             <a:fld id="{2E26774B-6488-4259-9342-6CBDB2BFD4E4}" type="datetime1">
               <a:rPr lang="en-US" smtClean="0"/>
               <a:pPr eaLnBrk="1" latinLnBrk="0" hangingPunct="1"/>
-              <a:t>9/2/2025</a:t>
+              <a:t>9/4/2025</a:t>
             </a:fld>
             <a:endParaRPr lang="en-US" sz="1600" dirty="0"/>
           </a:p>
@@ -2625,7 +2671,7 @@
             <a:fld id="{9B2E7711-0BE3-4AFC-959B-CB5C31A7AE48}" type="datetime1">
               <a:rPr lang="en-US" smtClean="0"/>
               <a:pPr eaLnBrk="1" latinLnBrk="0" hangingPunct="1"/>
-              <a:t>9/2/2025</a:t>
+              <a:t>9/4/2025</a:t>
             </a:fld>
             <a:endParaRPr lang="en-US"/>
           </a:p>
@@ -2826,7 +2872,7 @@
             <a:fld id="{825AAB62-A572-4E37-B772-B4A75ADE0B18}" type="datetime1">
               <a:rPr lang="en-US" smtClean="0"/>
               <a:pPr eaLnBrk="1" latinLnBrk="0" hangingPunct="1"/>
-              <a:t>9/2/2025</a:t>
+              <a:t>9/4/2025</a:t>
             </a:fld>
             <a:endParaRPr lang="en-US"/>
           </a:p>
@@ -4876,7 +4922,7 @@
             <a:fld id="{B0F52420-10F8-488E-969A-A9BE388BE9C4}" type="datetime1">
               <a:rPr lang="en-US" smtClean="0"/>
               <a:pPr eaLnBrk="1" latinLnBrk="0" hangingPunct="1"/>
-              <a:t>9/2/2025</a:t>
+              <a:t>9/4/2025</a:t>
             </a:fld>
             <a:endParaRPr lang="en-US" dirty="0"/>
           </a:p>
@@ -6188,7 +6234,7 @@
           <a:p>
             <a:fld id="{C31F198E-4891-0744-982A-035A8E9D5E57}" type="datetime1">
               <a:rPr lang="en-US" smtClean="0"/>
-              <a:t>9/2/2025</a:t>
+              <a:t>9/4/2025</a:t>
             </a:fld>
             <a:endParaRPr lang="en-US"/>
           </a:p>
@@ -6386,7 +6432,7 @@
           <a:p>
             <a:fld id="{69240954-B576-9D4D-A4A4-BAF4EBC7B2CF}" type="datetime1">
               <a:rPr lang="en-US" smtClean="0"/>
-              <a:t>9/2/2025</a:t>
+              <a:t>9/4/2025</a:t>
             </a:fld>
             <a:endParaRPr lang="en-US"/>
           </a:p>
@@ -6661,7 +6707,7 @@
           <a:p>
             <a:fld id="{CBDD84B5-E081-4443-9C9D-23B64540996F}" type="datetime1">
               <a:rPr lang="en-US" smtClean="0"/>
-              <a:t>9/2/2025</a:t>
+              <a:t>9/4/2025</a:t>
             </a:fld>
             <a:endParaRPr lang="en-US"/>
           </a:p>
@@ -6976,7 +7022,7 @@
           <a:p>
             <a:fld id="{7203B415-761D-814B-B6F6-D8584C5DFB68}" type="datetime1">
               <a:rPr lang="en-US" smtClean="0"/>
-              <a:t>9/2/2025</a:t>
+              <a:t>9/4/2025</a:t>
             </a:fld>
             <a:endParaRPr lang="en-US"/>
           </a:p>
@@ -7425,7 +7471,7 @@
           <a:p>
             <a:fld id="{CE4CC544-E270-624B-A146-427A1328771C}" type="datetime1">
               <a:rPr lang="en-US" smtClean="0"/>
-              <a:t>9/2/2025</a:t>
+              <a:t>9/4/2025</a:t>
             </a:fld>
             <a:endParaRPr lang="en-US"/>
           </a:p>
@@ -7676,7 +7722,7 @@
             <a:fld id="{96E96F24-58CF-47DA-907C-A9CD6353E425}" type="datetime1">
               <a:rPr lang="en-US" smtClean="0"/>
               <a:pPr eaLnBrk="1" latinLnBrk="0" hangingPunct="1"/>
-              <a:t>9/2/2025</a:t>
+              <a:t>9/4/2025</a:t>
             </a:fld>
             <a:endParaRPr lang="en-US" dirty="0"/>
           </a:p>
@@ -7897,7 +7943,7 @@
           <a:p>
             <a:fld id="{3CEF9BDF-98D8-2E40-B9CD-119F66CA07F0}" type="datetime1">
               <a:rPr lang="en-US" smtClean="0"/>
-              <a:t>9/2/2025</a:t>
+              <a:t>9/4/2025</a:t>
             </a:fld>
             <a:endParaRPr lang="en-US"/>
           </a:p>
@@ -8022,7 +8068,7 @@
           <a:p>
             <a:fld id="{E6FB255F-2FE0-274D-998F-31FB20EFB046}" type="datetime1">
               <a:rPr lang="en-US" smtClean="0"/>
-              <a:t>9/2/2025</a:t>
+              <a:t>9/4/2025</a:t>
             </a:fld>
             <a:endParaRPr lang="en-US"/>
           </a:p>
@@ -8327,7 +8373,7 @@
           <a:p>
             <a:fld id="{C3975A16-A311-5046-89EC-B02DC029DBB6}" type="datetime1">
               <a:rPr lang="en-US" smtClean="0"/>
-              <a:t>9/2/2025</a:t>
+              <a:t>9/4/2025</a:t>
             </a:fld>
             <a:endParaRPr lang="en-US"/>
           </a:p>
@@ -8609,7 +8655,7 @@
           <a:p>
             <a:fld id="{11CADE38-462A-F74A-9AF0-365C45329AEC}" type="datetime1">
               <a:rPr lang="en-US" smtClean="0"/>
-              <a:t>9/2/2025</a:t>
+              <a:t>9/4/2025</a:t>
             </a:fld>
             <a:endParaRPr lang="en-US"/>
           </a:p>
@@ -8789,7 +8835,7 @@
           <a:p>
             <a:fld id="{27E5EB6D-9795-774A-B846-CEE32CCDB9F4}" type="datetime1">
               <a:rPr lang="en-US" smtClean="0"/>
-              <a:t>9/2/2025</a:t>
+              <a:t>9/4/2025</a:t>
             </a:fld>
             <a:endParaRPr lang="en-US"/>
           </a:p>
@@ -8979,7 +9025,7 @@
           <a:p>
             <a:fld id="{2D2FCB11-01EB-AC45-9E2D-185B38D86EC5}" type="datetime1">
               <a:rPr lang="en-US" smtClean="0"/>
-              <a:t>9/2/2025</a:t>
+              <a:t>9/4/2025</a:t>
             </a:fld>
             <a:endParaRPr lang="en-US"/>
           </a:p>
@@ -10029,7 +10075,7 @@
             <a:fld id="{53AE4463-726A-4A35-9F46-98893432A3F9}" type="datetime1">
               <a:rPr lang="en-US" smtClean="0"/>
               <a:pPr eaLnBrk="1" latinLnBrk="0" hangingPunct="1"/>
-              <a:t>9/2/2025</a:t>
+              <a:t>9/4/2025</a:t>
             </a:fld>
             <a:endParaRPr lang="en-US"/>
           </a:p>
@@ -12079,7 +12125,7 @@
             <a:fld id="{FDF404D0-E306-4E90-90E3-E44D26246FFC}" type="datetime1">
               <a:rPr lang="en-US" smtClean="0"/>
               <a:pPr eaLnBrk="1" latinLnBrk="0" hangingPunct="1"/>
-              <a:t>9/2/2025</a:t>
+              <a:t>9/4/2025</a:t>
             </a:fld>
             <a:endParaRPr lang="en-US"/>
           </a:p>
@@ -12337,7 +12383,7 @@
             <a:fld id="{1485DA14-76F0-4D93-83FB-7878C79A1986}" type="datetime1">
               <a:rPr lang="en-US" smtClean="0"/>
               <a:pPr eaLnBrk="1" latinLnBrk="0" hangingPunct="1"/>
-              <a:t>9/2/2025</a:t>
+              <a:t>9/4/2025</a:t>
             </a:fld>
             <a:endParaRPr lang="en-US"/>
           </a:p>
@@ -12504,7 +12550,7 @@
             <a:fld id="{A15E552D-49E1-496B-B79C-E100986B8B5F}" type="datetime1">
               <a:rPr lang="en-US" smtClean="0"/>
               <a:pPr eaLnBrk="1" latinLnBrk="0" hangingPunct="1"/>
-              <a:t>9/2/2025</a:t>
+              <a:t>9/4/2025</a:t>
             </a:fld>
             <a:endParaRPr lang="en-US"/>
           </a:p>
@@ -12807,7 +12853,7 @@
             <a:fld id="{CEC72505-1551-4A98-97CD-F520B07184AD}" type="datetime1">
               <a:rPr lang="en-US" smtClean="0"/>
               <a:pPr eaLnBrk="1" latinLnBrk="0" hangingPunct="1"/>
-              <a:t>9/2/2025</a:t>
+              <a:t>9/4/2025</a:t>
             </a:fld>
             <a:endParaRPr lang="en-US"/>
           </a:p>
@@ -13240,7 +13286,7 @@
             <a:fld id="{7218F47B-BA16-4F20-B5BA-73F598D94B51}" type="datetime1">
               <a:rPr lang="en-US" smtClean="0"/>
               <a:pPr eaLnBrk="1" latinLnBrk="0" hangingPunct="1"/>
-              <a:t>9/2/2025</a:t>
+              <a:t>9/4/2025</a:t>
             </a:fld>
             <a:endParaRPr lang="en-US"/>
           </a:p>
@@ -14902,7 +14948,7 @@
           <a:p>
             <a:fld id="{20BAFD48-45E2-B54F-B7CB-E8D59064A99E}" type="datetime1">
               <a:rPr lang="en-US" smtClean="0"/>
-              <a:t>9/2/2025</a:t>
+              <a:t>9/4/2025</a:t>
             </a:fld>
             <a:endParaRPr lang="en-US"/>
           </a:p>
@@ -16188,13 +16234,13 @@
         </p:nvSpPr>
         <p:spPr>
           <a:xfrm>
-            <a:off x="457200" y="1600203"/>
-            <a:ext cx="8229600" cy="4952997"/>
+            <a:off x="457200" y="1219200"/>
+            <a:ext cx="8229600" cy="3962399"/>
           </a:xfrm>
         </p:spPr>
         <p:txBody>
           <a:bodyPr>
-            <a:normAutofit fontScale="92500" lnSpcReduction="10000"/>
+            <a:normAutofit fontScale="85000" lnSpcReduction="10000"/>
           </a:bodyPr>
           <a:lstStyle/>
           <a:p>
@@ -16311,7 +16357,7 @@
                 <a:latin typeface="Tahoma" pitchFamily="34" charset="0"/>
                 <a:cs typeface="Times New Roman" pitchFamily="18" charset="0"/>
               </a:rPr>
-              <a:t>Similarly, for x=11100001, first convert it into its positive counterpart of bitwise NOT plus one to get 00011111, which is equal to decimal 31. Hence x=-31</a:t>
+              <a:t>Similarly, for x=11100001 (unsigned int 225), first convert it into its positive counterpart of bitwise NOT plus one to get 00011111, which is equal to decimal 31. Hence x=-31</a:t>
             </a:r>
           </a:p>
           <a:p>
@@ -16320,7 +16366,7 @@
                 <a:latin typeface="Tahoma" pitchFamily="34" charset="0"/>
                 <a:cs typeface="Times New Roman" pitchFamily="18" charset="0"/>
               </a:rPr>
-              <a:t>Similarly, for x=10000000, first convert it into its positive counterpart of bitwise NOT plus one to get 10000000, which is equal to decimal 2^7. Hence x=-2^7=-128</a:t>
+              <a:t>Similarly, for x=10000000 (unsigned int 128), first convert it into its positive counterpart of bitwise NOT plus one to get 10000000, which is equal to decimal 2^7. Hence x=-2^7=-128</a:t>
             </a:r>
           </a:p>
           <a:p>
@@ -16334,6 +16380,339 @@
           </a:p>
         </p:txBody>
       </p:sp>
+      <p:graphicFrame>
+        <p:nvGraphicFramePr>
+          <p:cNvPr id="4" name="Table 3">
+            <a:extLst>
+              <a:ext uri="{FF2B5EF4-FFF2-40B4-BE49-F238E27FC236}">
+                <a16:creationId xmlns:a16="http://schemas.microsoft.com/office/drawing/2014/main" id="{E675A2F8-1917-E32A-1D6F-9612FFD62311}"/>
+              </a:ext>
+            </a:extLst>
+          </p:cNvPr>
+          <p:cNvGraphicFramePr>
+            <a:graphicFrameLocks noGrp="1"/>
+          </p:cNvGraphicFramePr>
+          <p:nvPr>
+            <p:extLst>
+              <p:ext uri="{D42A27DB-BD31-4B8C-83A1-F6EECF244321}">
+                <p14:modId xmlns:p14="http://schemas.microsoft.com/office/powerpoint/2010/main" val="3393459836"/>
+              </p:ext>
+            </p:extLst>
+          </p:nvPr>
+        </p:nvGraphicFramePr>
+        <p:xfrm>
+          <a:off x="3124200" y="5131585"/>
+          <a:ext cx="3276600" cy="1478280"/>
+        </p:xfrm>
+        <a:graphic>
+          <a:graphicData uri="http://schemas.openxmlformats.org/drawingml/2006/table">
+            <a:tbl>
+              <a:tblPr firstRow="1" bandRow="1">
+                <a:tableStyleId>{5940675A-B579-460E-94D1-54222C63F5DA}</a:tableStyleId>
+              </a:tblPr>
+              <a:tblGrid>
+                <a:gridCol w="1524000">
+                  <a:extLst>
+                    <a:ext uri="{9D8B030D-6E8A-4147-A177-3AD203B41FA5}">
+                      <a16:colId xmlns:a16="http://schemas.microsoft.com/office/drawing/2014/main" val="3282276112"/>
+                    </a:ext>
+                  </a:extLst>
+                </a:gridCol>
+                <a:gridCol w="914400">
+                  <a:extLst>
+                    <a:ext uri="{9D8B030D-6E8A-4147-A177-3AD203B41FA5}">
+                      <a16:colId xmlns:a16="http://schemas.microsoft.com/office/drawing/2014/main" val="2582204835"/>
+                    </a:ext>
+                  </a:extLst>
+                </a:gridCol>
+                <a:gridCol w="838200">
+                  <a:extLst>
+                    <a:ext uri="{9D8B030D-6E8A-4147-A177-3AD203B41FA5}">
+                      <a16:colId xmlns:a16="http://schemas.microsoft.com/office/drawing/2014/main" val="1902814463"/>
+                    </a:ext>
+                  </a:extLst>
+                </a:gridCol>
+              </a:tblGrid>
+              <a:tr h="365441">
+                <a:tc>
+                  <a:txBody>
+                    <a:bodyPr/>
+                    <a:lstStyle/>
+                    <a:p>
+                      <a:pPr algn="ctr"/>
+                      <a:endParaRPr lang="en-US" sz="1800" dirty="0"/>
+                    </a:p>
+                  </a:txBody>
+                  <a:tcPr>
+                    <a:solidFill>
+                      <a:schemeClr val="bg1">
+                        <a:lumMod val="85000"/>
+                      </a:schemeClr>
+                    </a:solidFill>
+                  </a:tcPr>
+                </a:tc>
+                <a:tc>
+                  <a:txBody>
+                    <a:bodyPr/>
+                    <a:lstStyle/>
+                    <a:p>
+                      <a:pPr algn="ctr"/>
+                      <a:r>
+                        <a:rPr lang="en-US" sz="1800"/>
+                        <a:t>uint</a:t>
+                      </a:r>
+                      <a:endParaRPr lang="en-US" sz="1800" dirty="0"/>
+                    </a:p>
+                  </a:txBody>
+                  <a:tcPr>
+                    <a:solidFill>
+                      <a:schemeClr val="bg1">
+                        <a:lumMod val="85000"/>
+                      </a:schemeClr>
+                    </a:solidFill>
+                  </a:tcPr>
+                </a:tc>
+                <a:tc>
+                  <a:txBody>
+                    <a:bodyPr/>
+                    <a:lstStyle/>
+                    <a:p>
+                      <a:pPr algn="ctr"/>
+                      <a:r>
+                        <a:rPr lang="en-US" sz="1800" dirty="0"/>
+                        <a:t>Int</a:t>
+                      </a:r>
+                    </a:p>
+                  </a:txBody>
+                  <a:tcPr>
+                    <a:solidFill>
+                      <a:schemeClr val="bg1">
+                        <a:lumMod val="85000"/>
+                      </a:schemeClr>
+                    </a:solidFill>
+                  </a:tcPr>
+                </a:tc>
+                <a:extLst>
+                  <a:ext uri="{0D108BD9-81ED-4DB2-BD59-A6C34878D82A}">
+                    <a16:rowId xmlns:a16="http://schemas.microsoft.com/office/drawing/2014/main" val="2548484560"/>
+                  </a:ext>
+                </a:extLst>
+              </a:tr>
+              <a:tr h="370840">
+                <a:tc>
+                  <a:txBody>
+                    <a:bodyPr/>
+                    <a:lstStyle/>
+                    <a:p>
+                      <a:pPr marL="0" marR="0" lvl="0" indent="0" algn="ctr" defTabSz="342900" rtl="0" eaLnBrk="1" fontAlgn="auto" latinLnBrk="0" hangingPunct="1">
+                        <a:lnSpc>
+                          <a:spcPct val="100000"/>
+                        </a:lnSpc>
+                        <a:spcBef>
+                          <a:spcPts val="0"/>
+                        </a:spcBef>
+                        <a:spcAft>
+                          <a:spcPts val="0"/>
+                        </a:spcAft>
+                        <a:buClrTx/>
+                        <a:buSzTx/>
+                        <a:buFontTx/>
+                        <a:buNone/>
+                        <a:tabLst/>
+                        <a:defRPr/>
+                      </a:pPr>
+                      <a:r>
+                        <a:rPr lang="en-US" sz="1800">
+                          <a:latin typeface="Tahoma" pitchFamily="34" charset="0"/>
+                          <a:cs typeface="Times New Roman" pitchFamily="18" charset="0"/>
+                        </a:rPr>
+                        <a:t>10100111</a:t>
+                      </a:r>
+                      <a:endParaRPr lang="en-US" sz="1800" dirty="0"/>
+                    </a:p>
+                  </a:txBody>
+                  <a:tcPr/>
+                </a:tc>
+                <a:tc>
+                  <a:txBody>
+                    <a:bodyPr/>
+                    <a:lstStyle/>
+                    <a:p>
+                      <a:pPr algn="ctr"/>
+                      <a:r>
+                        <a:rPr lang="en-US" sz="1800"/>
+                        <a:t>167</a:t>
+                      </a:r>
+                      <a:endParaRPr lang="en-US" sz="1800" dirty="0"/>
+                    </a:p>
+                  </a:txBody>
+                  <a:tcPr/>
+                </a:tc>
+                <a:tc>
+                  <a:txBody>
+                    <a:bodyPr/>
+                    <a:lstStyle/>
+                    <a:p>
+                      <a:pPr algn="ctr"/>
+                      <a:r>
+                        <a:rPr lang="en-US" sz="1800"/>
+                        <a:t>-89</a:t>
+                      </a:r>
+                      <a:endParaRPr lang="en-US" sz="1800" dirty="0"/>
+                    </a:p>
+                  </a:txBody>
+                  <a:tcPr/>
+                </a:tc>
+                <a:extLst>
+                  <a:ext uri="{0D108BD9-81ED-4DB2-BD59-A6C34878D82A}">
+                    <a16:rowId xmlns:a16="http://schemas.microsoft.com/office/drawing/2014/main" val="3487207224"/>
+                  </a:ext>
+                </a:extLst>
+              </a:tr>
+              <a:tr h="370840">
+                <a:tc>
+                  <a:txBody>
+                    <a:bodyPr/>
+                    <a:lstStyle/>
+                    <a:p>
+                      <a:pPr marL="0" marR="0" lvl="0" indent="0" algn="ctr" defTabSz="342900" rtl="0" eaLnBrk="1" fontAlgn="auto" latinLnBrk="0" hangingPunct="1">
+                        <a:lnSpc>
+                          <a:spcPct val="100000"/>
+                        </a:lnSpc>
+                        <a:spcBef>
+                          <a:spcPts val="0"/>
+                        </a:spcBef>
+                        <a:spcAft>
+                          <a:spcPts val="0"/>
+                        </a:spcAft>
+                        <a:buClrTx/>
+                        <a:buSzTx/>
+                        <a:buFontTx/>
+                        <a:buNone/>
+                        <a:tabLst/>
+                        <a:defRPr/>
+                      </a:pPr>
+                      <a:r>
+                        <a:rPr lang="en-US" sz="1800">
+                          <a:latin typeface="Tahoma" pitchFamily="34" charset="0"/>
+                          <a:cs typeface="Times New Roman" pitchFamily="18" charset="0"/>
+                        </a:rPr>
+                        <a:t>11100001</a:t>
+                      </a:r>
+                      <a:endParaRPr lang="en-US" sz="1800" dirty="0"/>
+                    </a:p>
+                  </a:txBody>
+                  <a:tcPr/>
+                </a:tc>
+                <a:tc>
+                  <a:txBody>
+                    <a:bodyPr/>
+                    <a:lstStyle/>
+                    <a:p>
+                      <a:pPr algn="ctr"/>
+                      <a:r>
+                        <a:rPr lang="en-US" sz="1800"/>
+                        <a:t>225</a:t>
+                      </a:r>
+                      <a:endParaRPr lang="en-US" sz="1800" dirty="0"/>
+                    </a:p>
+                  </a:txBody>
+                  <a:tcPr/>
+                </a:tc>
+                <a:tc>
+                  <a:txBody>
+                    <a:bodyPr/>
+                    <a:lstStyle/>
+                    <a:p>
+                      <a:pPr algn="ctr"/>
+                      <a:r>
+                        <a:rPr lang="en-US" sz="1800" dirty="0"/>
+                        <a:t>-31</a:t>
+                      </a:r>
+                    </a:p>
+                  </a:txBody>
+                  <a:tcPr/>
+                </a:tc>
+                <a:extLst>
+                  <a:ext uri="{0D108BD9-81ED-4DB2-BD59-A6C34878D82A}">
+                    <a16:rowId xmlns:a16="http://schemas.microsoft.com/office/drawing/2014/main" val="1121046585"/>
+                  </a:ext>
+                </a:extLst>
+              </a:tr>
+              <a:tr h="370840">
+                <a:tc>
+                  <a:txBody>
+                    <a:bodyPr/>
+                    <a:lstStyle/>
+                    <a:p>
+                      <a:pPr marL="0" marR="0" lvl="0" indent="0" algn="ctr" defTabSz="342900" rtl="0" eaLnBrk="1" fontAlgn="auto" latinLnBrk="0" hangingPunct="1">
+                        <a:lnSpc>
+                          <a:spcPct val="100000"/>
+                        </a:lnSpc>
+                        <a:spcBef>
+                          <a:spcPts val="0"/>
+                        </a:spcBef>
+                        <a:spcAft>
+                          <a:spcPts val="0"/>
+                        </a:spcAft>
+                        <a:buClrTx/>
+                        <a:buSzTx/>
+                        <a:buFontTx/>
+                        <a:buNone/>
+                        <a:tabLst/>
+                        <a:defRPr/>
+                      </a:pPr>
+                      <a:r>
+                        <a:rPr lang="en-US" sz="1800">
+                          <a:latin typeface="Tahoma" pitchFamily="34" charset="0"/>
+                          <a:cs typeface="Times New Roman" pitchFamily="18" charset="0"/>
+                        </a:rPr>
+                        <a:t>10000000</a:t>
+                      </a:r>
+                      <a:endParaRPr lang="en-US" sz="1800" dirty="0"/>
+                    </a:p>
+                  </a:txBody>
+                  <a:tcPr/>
+                </a:tc>
+                <a:tc>
+                  <a:txBody>
+                    <a:bodyPr/>
+                    <a:lstStyle/>
+                    <a:p>
+                      <a:pPr algn="ctr"/>
+                      <a:r>
+                        <a:rPr lang="en-US" sz="1800"/>
+                        <a:t>128</a:t>
+                      </a:r>
+                      <a:endParaRPr lang="en-US" sz="1800" dirty="0"/>
+                    </a:p>
+                  </a:txBody>
+                  <a:tcPr/>
+                </a:tc>
+                <a:tc>
+                  <a:txBody>
+                    <a:bodyPr/>
+                    <a:lstStyle/>
+                    <a:p>
+                      <a:pPr algn="ctr"/>
+                      <a:r>
+                        <a:rPr lang="en-US" sz="1800" dirty="0"/>
+                        <a:t>-128</a:t>
+                      </a:r>
+                    </a:p>
+                  </a:txBody>
+                  <a:tcPr/>
+                </a:tc>
+                <a:extLst>
+                  <a:ext uri="{0D108BD9-81ED-4DB2-BD59-A6C34878D82A}">
+                    <a16:rowId xmlns:a16="http://schemas.microsoft.com/office/drawing/2014/main" val="782344716"/>
+                  </a:ext>
+                </a:extLst>
+              </a:tr>
+            </a:tbl>
+          </a:graphicData>
+        </a:graphic>
+      </p:graphicFrame>
     </p:spTree>
     <p:extLst>
       <p:ext uri="{BB962C8B-B14F-4D97-AF65-F5344CB8AC3E}">
@@ -16995,7 +17374,7 @@
                 <a:tabLst/>
                 <a:defRPr/>
               </a:pPr>
-              <a:t>9/2/2025</a:t>
+              <a:t>9/4/2025</a:t>
             </a:fld>
             <a:endParaRPr kumimoji="0" lang="en-US" sz="900" b="0" i="0" u="none" strike="noStrike" kern="1200" cap="none" spc="0" normalizeH="0" baseline="0" noProof="0">
               <a:ln>
@@ -17591,7 +17970,7 @@
                 <a:tabLst/>
                 <a:defRPr/>
               </a:pPr>
-              <a:t>9/2/2025</a:t>
+              <a:t>9/4/2025</a:t>
             </a:fld>
             <a:endParaRPr kumimoji="0" lang="en-US" sz="900" b="0" i="0" u="none" strike="noStrike" kern="1200" cap="none" spc="0" normalizeH="0" baseline="0" noProof="0">
               <a:ln>
@@ -18679,7 +19058,7 @@
                 <a:tabLst/>
                 <a:defRPr/>
               </a:pPr>
-              <a:t>9/2/2025</a:t>
+              <a:t>9/4/2025</a:t>
             </a:fld>
             <a:endParaRPr kumimoji="0" lang="en-US" sz="900" b="0" i="0" u="none" strike="noStrike" kern="1200" cap="none" spc="0" normalizeH="0" baseline="0" noProof="0">
               <a:ln>
@@ -19275,7 +19654,7 @@
                 <a:tabLst/>
                 <a:defRPr/>
               </a:pPr>
-              <a:t>9/2/2025</a:t>
+              <a:t>9/4/2025</a:t>
             </a:fld>
             <a:endParaRPr kumimoji="0" lang="en-US" sz="900" b="0" i="0" u="none" strike="noStrike" kern="1200" cap="none" spc="0" normalizeH="0" baseline="0" noProof="0">
               <a:ln>

--- a/PPTs/L1 Data Representation Exercises ANS.pptx
+++ b/PPTs/L1 Data Representation Exercises ANS.pptx
@@ -160,7 +160,7 @@
 <file path=ppt/revisionInfo.xml><?xml version="1.0" encoding="utf-8"?>
 <p1510:revInfo xmlns:a="http://schemas.openxmlformats.org/drawingml/2006/main" xmlns:r="http://schemas.openxmlformats.org/officeDocument/2006/relationships" xmlns:p1510="http://schemas.microsoft.com/office/powerpoint/2015/10/main">
   <p1510:revLst>
-    <p1510:client id="{0D7B9918-F8B8-448A-BE73-9D4DAA7963B4}" v="47" dt="2025-09-04T21:09:16.596"/>
+    <p1510:client id="{0D7B9918-F8B8-448A-BE73-9D4DAA7963B4}" v="49" dt="2025-09-11T23:48:53.230"/>
   </p1510:revLst>
 </p1510:revInfo>
 </file>
@@ -170,7 +170,7 @@
   <pc:docChgLst>
     <pc:chgData name="Zonghua Gu" userId="9a7e1853e1951ef5" providerId="LiveId" clId="{CF1FAA12-072C-4ED5-BA76-0FFFAEFDB88A}"/>
     <pc:docChg chg="undo custSel modSld">
-      <pc:chgData name="Zonghua Gu" userId="9a7e1853e1951ef5" providerId="LiveId" clId="{CF1FAA12-072C-4ED5-BA76-0FFFAEFDB88A}" dt="2025-09-04T21:10:23.949" v="152" actId="1076"/>
+      <pc:chgData name="Zonghua Gu" userId="9a7e1853e1951ef5" providerId="LiveId" clId="{CF1FAA12-072C-4ED5-BA76-0FFFAEFDB88A}" dt="2025-09-11T23:48:53.230" v="200"/>
       <pc:docMkLst>
         <pc:docMk/>
       </pc:docMkLst>
@@ -218,14 +218,6 @@
             <ac:spMk id="3" creationId="{00000000-0000-0000-0000-000000000000}"/>
           </ac:spMkLst>
         </pc:spChg>
-        <pc:spChg chg="add del">
-          <ac:chgData name="Zonghua Gu" userId="9a7e1853e1951ef5" providerId="LiveId" clId="{CF1FAA12-072C-4ED5-BA76-0FFFAEFDB88A}" dt="2025-09-04T21:04:50.110" v="71" actId="22"/>
-          <ac:spMkLst>
-            <pc:docMk/>
-            <pc:sldMk cId="3413348423" sldId="367"/>
-            <ac:spMk id="6" creationId="{651E0216-38C3-86C7-6B93-8534C23A82A6}"/>
-          </ac:spMkLst>
-        </pc:spChg>
         <pc:graphicFrameChg chg="add mod modGraphic">
           <ac:chgData name="Zonghua Gu" userId="9a7e1853e1951ef5" providerId="LiveId" clId="{CF1FAA12-072C-4ED5-BA76-0FFFAEFDB88A}" dt="2025-09-04T21:10:23.949" v="152" actId="1076"/>
           <ac:graphicFrameMkLst>
@@ -234,6 +226,66 @@
             <ac:graphicFrameMk id="4" creationId="{E675A2F8-1917-E32A-1D6F-9612FFD62311}"/>
           </ac:graphicFrameMkLst>
         </pc:graphicFrameChg>
+      </pc:sldChg>
+      <pc:sldChg chg="modSp mod">
+        <pc:chgData name="Zonghua Gu" userId="9a7e1853e1951ef5" providerId="LiveId" clId="{CF1FAA12-072C-4ED5-BA76-0FFFAEFDB88A}" dt="2025-09-11T23:45:29.939" v="162" actId="20577"/>
+        <pc:sldMkLst>
+          <pc:docMk/>
+          <pc:sldMk cId="1834379896" sldId="375"/>
+        </pc:sldMkLst>
+        <pc:spChg chg="mod">
+          <ac:chgData name="Zonghua Gu" userId="9a7e1853e1951ef5" providerId="LiveId" clId="{CF1FAA12-072C-4ED5-BA76-0FFFAEFDB88A}" dt="2025-09-11T23:45:29.939" v="162" actId="20577"/>
+          <ac:spMkLst>
+            <pc:docMk/>
+            <pc:sldMk cId="1834379896" sldId="375"/>
+            <ac:spMk id="4" creationId="{00000000-0000-0000-0000-000000000000}"/>
+          </ac:spMkLst>
+        </pc:spChg>
+      </pc:sldChg>
+      <pc:sldChg chg="modSp">
+        <pc:chgData name="Zonghua Gu" userId="9a7e1853e1951ef5" providerId="LiveId" clId="{CF1FAA12-072C-4ED5-BA76-0FFFAEFDB88A}" dt="2025-09-11T23:48:53.230" v="200"/>
+        <pc:sldMkLst>
+          <pc:docMk/>
+          <pc:sldMk cId="74280192" sldId="377"/>
+        </pc:sldMkLst>
+        <pc:spChg chg="mod">
+          <ac:chgData name="Zonghua Gu" userId="9a7e1853e1951ef5" providerId="LiveId" clId="{CF1FAA12-072C-4ED5-BA76-0FFFAEFDB88A}" dt="2025-09-11T23:48:53.230" v="200"/>
+          <ac:spMkLst>
+            <pc:docMk/>
+            <pc:sldMk cId="74280192" sldId="377"/>
+            <ac:spMk id="3" creationId="{00000000-0000-0000-0000-000000000000}"/>
+          </ac:spMkLst>
+        </pc:spChg>
+      </pc:sldChg>
+      <pc:sldChg chg="modSp mod">
+        <pc:chgData name="Zonghua Gu" userId="9a7e1853e1951ef5" providerId="LiveId" clId="{CF1FAA12-072C-4ED5-BA76-0FFFAEFDB88A}" dt="2025-09-11T23:46:09.597" v="190" actId="20577"/>
+        <pc:sldMkLst>
+          <pc:docMk/>
+          <pc:sldMk cId="811871471" sldId="380"/>
+        </pc:sldMkLst>
+        <pc:spChg chg="mod">
+          <ac:chgData name="Zonghua Gu" userId="9a7e1853e1951ef5" providerId="LiveId" clId="{CF1FAA12-072C-4ED5-BA76-0FFFAEFDB88A}" dt="2025-09-11T23:46:09.597" v="190" actId="20577"/>
+          <ac:spMkLst>
+            <pc:docMk/>
+            <pc:sldMk cId="811871471" sldId="380"/>
+            <ac:spMk id="4" creationId="{00000000-0000-0000-0000-000000000000}"/>
+          </ac:spMkLst>
+        </pc:spChg>
+      </pc:sldChg>
+      <pc:sldChg chg="modSp mod">
+        <pc:chgData name="Zonghua Gu" userId="9a7e1853e1951ef5" providerId="LiveId" clId="{CF1FAA12-072C-4ED5-BA76-0FFFAEFDB88A}" dt="2025-09-11T23:46:20.666" v="199" actId="20577"/>
+        <pc:sldMkLst>
+          <pc:docMk/>
+          <pc:sldMk cId="3132920451" sldId="382"/>
+        </pc:sldMkLst>
+        <pc:spChg chg="mod">
+          <ac:chgData name="Zonghua Gu" userId="9a7e1853e1951ef5" providerId="LiveId" clId="{CF1FAA12-072C-4ED5-BA76-0FFFAEFDB88A}" dt="2025-09-11T23:46:20.666" v="199" actId="20577"/>
+          <ac:spMkLst>
+            <pc:docMk/>
+            <pc:sldMk cId="3132920451" sldId="382"/>
+            <ac:spMk id="4" creationId="{00000000-0000-0000-0000-000000000000}"/>
+          </ac:spMkLst>
+        </pc:spChg>
       </pc:sldChg>
     </pc:docChg>
   </pc:docChgLst>
@@ -323,7 +375,7 @@
             <a:fld id="{2AEAFE1F-9E52-45C8-9793-E819F0044A1C}" type="datetimeFigureOut">
               <a:rPr lang="en-US" smtClean="0"/>
               <a:pPr/>
-              <a:t>9/4/2025</a:t>
+              <a:t>9/11/2025</a:t>
             </a:fld>
             <a:endParaRPr lang="en-US"/>
           </a:p>
@@ -2296,7 +2348,7 @@
             <a:fld id="{2E26774B-6488-4259-9342-6CBDB2BFD4E4}" type="datetime1">
               <a:rPr lang="en-US" smtClean="0"/>
               <a:pPr eaLnBrk="1" latinLnBrk="0" hangingPunct="1"/>
-              <a:t>9/4/2025</a:t>
+              <a:t>9/11/2025</a:t>
             </a:fld>
             <a:endParaRPr lang="en-US" sz="1600" dirty="0"/>
           </a:p>
@@ -2671,7 +2723,7 @@
             <a:fld id="{9B2E7711-0BE3-4AFC-959B-CB5C31A7AE48}" type="datetime1">
               <a:rPr lang="en-US" smtClean="0"/>
               <a:pPr eaLnBrk="1" latinLnBrk="0" hangingPunct="1"/>
-              <a:t>9/4/2025</a:t>
+              <a:t>9/11/2025</a:t>
             </a:fld>
             <a:endParaRPr lang="en-US"/>
           </a:p>
@@ -2872,7 +2924,7 @@
             <a:fld id="{825AAB62-A572-4E37-B772-B4A75ADE0B18}" type="datetime1">
               <a:rPr lang="en-US" smtClean="0"/>
               <a:pPr eaLnBrk="1" latinLnBrk="0" hangingPunct="1"/>
-              <a:t>9/4/2025</a:t>
+              <a:t>9/11/2025</a:t>
             </a:fld>
             <a:endParaRPr lang="en-US"/>
           </a:p>
@@ -4922,7 +4974,7 @@
             <a:fld id="{B0F52420-10F8-488E-969A-A9BE388BE9C4}" type="datetime1">
               <a:rPr lang="en-US" smtClean="0"/>
               <a:pPr eaLnBrk="1" latinLnBrk="0" hangingPunct="1"/>
-              <a:t>9/4/2025</a:t>
+              <a:t>9/11/2025</a:t>
             </a:fld>
             <a:endParaRPr lang="en-US" dirty="0"/>
           </a:p>
@@ -6234,7 +6286,7 @@
           <a:p>
             <a:fld id="{C31F198E-4891-0744-982A-035A8E9D5E57}" type="datetime1">
               <a:rPr lang="en-US" smtClean="0"/>
-              <a:t>9/4/2025</a:t>
+              <a:t>9/11/2025</a:t>
             </a:fld>
             <a:endParaRPr lang="en-US"/>
           </a:p>
@@ -6432,7 +6484,7 @@
           <a:p>
             <a:fld id="{69240954-B576-9D4D-A4A4-BAF4EBC7B2CF}" type="datetime1">
               <a:rPr lang="en-US" smtClean="0"/>
-              <a:t>9/4/2025</a:t>
+              <a:t>9/11/2025</a:t>
             </a:fld>
             <a:endParaRPr lang="en-US"/>
           </a:p>
@@ -6707,7 +6759,7 @@
           <a:p>
             <a:fld id="{CBDD84B5-E081-4443-9C9D-23B64540996F}" type="datetime1">
               <a:rPr lang="en-US" smtClean="0"/>
-              <a:t>9/4/2025</a:t>
+              <a:t>9/11/2025</a:t>
             </a:fld>
             <a:endParaRPr lang="en-US"/>
           </a:p>
@@ -7022,7 +7074,7 @@
           <a:p>
             <a:fld id="{7203B415-761D-814B-B6F6-D8584C5DFB68}" type="datetime1">
               <a:rPr lang="en-US" smtClean="0"/>
-              <a:t>9/4/2025</a:t>
+              <a:t>9/11/2025</a:t>
             </a:fld>
             <a:endParaRPr lang="en-US"/>
           </a:p>
@@ -7471,7 +7523,7 @@
           <a:p>
             <a:fld id="{CE4CC544-E270-624B-A146-427A1328771C}" type="datetime1">
               <a:rPr lang="en-US" smtClean="0"/>
-              <a:t>9/4/2025</a:t>
+              <a:t>9/11/2025</a:t>
             </a:fld>
             <a:endParaRPr lang="en-US"/>
           </a:p>
@@ -7722,7 +7774,7 @@
             <a:fld id="{96E96F24-58CF-47DA-907C-A9CD6353E425}" type="datetime1">
               <a:rPr lang="en-US" smtClean="0"/>
               <a:pPr eaLnBrk="1" latinLnBrk="0" hangingPunct="1"/>
-              <a:t>9/4/2025</a:t>
+              <a:t>9/11/2025</a:t>
             </a:fld>
             <a:endParaRPr lang="en-US" dirty="0"/>
           </a:p>
@@ -7943,7 +7995,7 @@
           <a:p>
             <a:fld id="{3CEF9BDF-98D8-2E40-B9CD-119F66CA07F0}" type="datetime1">
               <a:rPr lang="en-US" smtClean="0"/>
-              <a:t>9/4/2025</a:t>
+              <a:t>9/11/2025</a:t>
             </a:fld>
             <a:endParaRPr lang="en-US"/>
           </a:p>
@@ -8068,7 +8120,7 @@
           <a:p>
             <a:fld id="{E6FB255F-2FE0-274D-998F-31FB20EFB046}" type="datetime1">
               <a:rPr lang="en-US" smtClean="0"/>
-              <a:t>9/4/2025</a:t>
+              <a:t>9/11/2025</a:t>
             </a:fld>
             <a:endParaRPr lang="en-US"/>
           </a:p>
@@ -8373,7 +8425,7 @@
           <a:p>
             <a:fld id="{C3975A16-A311-5046-89EC-B02DC029DBB6}" type="datetime1">
               <a:rPr lang="en-US" smtClean="0"/>
-              <a:t>9/4/2025</a:t>
+              <a:t>9/11/2025</a:t>
             </a:fld>
             <a:endParaRPr lang="en-US"/>
           </a:p>
@@ -8655,7 +8707,7 @@
           <a:p>
             <a:fld id="{11CADE38-462A-F74A-9AF0-365C45329AEC}" type="datetime1">
               <a:rPr lang="en-US" smtClean="0"/>
-              <a:t>9/4/2025</a:t>
+              <a:t>9/11/2025</a:t>
             </a:fld>
             <a:endParaRPr lang="en-US"/>
           </a:p>
@@ -8835,7 +8887,7 @@
           <a:p>
             <a:fld id="{27E5EB6D-9795-774A-B846-CEE32CCDB9F4}" type="datetime1">
               <a:rPr lang="en-US" smtClean="0"/>
-              <a:t>9/4/2025</a:t>
+              <a:t>9/11/2025</a:t>
             </a:fld>
             <a:endParaRPr lang="en-US"/>
           </a:p>
@@ -9025,7 +9077,7 @@
           <a:p>
             <a:fld id="{2D2FCB11-01EB-AC45-9E2D-185B38D86EC5}" type="datetime1">
               <a:rPr lang="en-US" smtClean="0"/>
-              <a:t>9/4/2025</a:t>
+              <a:t>9/11/2025</a:t>
             </a:fld>
             <a:endParaRPr lang="en-US"/>
           </a:p>
@@ -10075,7 +10127,7 @@
             <a:fld id="{53AE4463-726A-4A35-9F46-98893432A3F9}" type="datetime1">
               <a:rPr lang="en-US" smtClean="0"/>
               <a:pPr eaLnBrk="1" latinLnBrk="0" hangingPunct="1"/>
-              <a:t>9/4/2025</a:t>
+              <a:t>9/11/2025</a:t>
             </a:fld>
             <a:endParaRPr lang="en-US"/>
           </a:p>
@@ -12125,7 +12177,7 @@
             <a:fld id="{FDF404D0-E306-4E90-90E3-E44D26246FFC}" type="datetime1">
               <a:rPr lang="en-US" smtClean="0"/>
               <a:pPr eaLnBrk="1" latinLnBrk="0" hangingPunct="1"/>
-              <a:t>9/4/2025</a:t>
+              <a:t>9/11/2025</a:t>
             </a:fld>
             <a:endParaRPr lang="en-US"/>
           </a:p>
@@ -12383,7 +12435,7 @@
             <a:fld id="{1485DA14-76F0-4D93-83FB-7878C79A1986}" type="datetime1">
               <a:rPr lang="en-US" smtClean="0"/>
               <a:pPr eaLnBrk="1" latinLnBrk="0" hangingPunct="1"/>
-              <a:t>9/4/2025</a:t>
+              <a:t>9/11/2025</a:t>
             </a:fld>
             <a:endParaRPr lang="en-US"/>
           </a:p>
@@ -12550,7 +12602,7 @@
             <a:fld id="{A15E552D-49E1-496B-B79C-E100986B8B5F}" type="datetime1">
               <a:rPr lang="en-US" smtClean="0"/>
               <a:pPr eaLnBrk="1" latinLnBrk="0" hangingPunct="1"/>
-              <a:t>9/4/2025</a:t>
+              <a:t>9/11/2025</a:t>
             </a:fld>
             <a:endParaRPr lang="en-US"/>
           </a:p>
@@ -12853,7 +12905,7 @@
             <a:fld id="{CEC72505-1551-4A98-97CD-F520B07184AD}" type="datetime1">
               <a:rPr lang="en-US" smtClean="0"/>
               <a:pPr eaLnBrk="1" latinLnBrk="0" hangingPunct="1"/>
-              <a:t>9/4/2025</a:t>
+              <a:t>9/11/2025</a:t>
             </a:fld>
             <a:endParaRPr lang="en-US"/>
           </a:p>
@@ -13286,7 +13338,7 @@
             <a:fld id="{7218F47B-BA16-4F20-B5BA-73F598D94B51}" type="datetime1">
               <a:rPr lang="en-US" smtClean="0"/>
               <a:pPr eaLnBrk="1" latinLnBrk="0" hangingPunct="1"/>
-              <a:t>9/4/2025</a:t>
+              <a:t>9/11/2025</a:t>
             </a:fld>
             <a:endParaRPr lang="en-US"/>
           </a:p>
@@ -14948,7 +15000,7 @@
           <a:p>
             <a:fld id="{20BAFD48-45E2-B54F-B7CB-E8D59064A99E}" type="datetime1">
               <a:rPr lang="en-US" smtClean="0"/>
-              <a:t>9/4/2025</a:t>
+              <a:t>9/11/2025</a:t>
             </a:fld>
             <a:endParaRPr lang="en-US"/>
           </a:p>
@@ -17374,7 +17426,7 @@
                 <a:tabLst/>
                 <a:defRPr/>
               </a:pPr>
-              <a:t>9/4/2025</a:t>
+              <a:t>9/11/2025</a:t>
             </a:fld>
             <a:endParaRPr kumimoji="0" lang="en-US" sz="900" b="0" i="0" u="none" strike="noStrike" kern="1200" cap="none" spc="0" normalizeH="0" baseline="0" noProof="0">
               <a:ln>
@@ -17970,7 +18022,7 @@
                 <a:tabLst/>
                 <a:defRPr/>
               </a:pPr>
-              <a:t>9/4/2025</a:t>
+              <a:t>9/11/2025</a:t>
             </a:fld>
             <a:endParaRPr kumimoji="0" lang="en-US" sz="900" b="0" i="0" u="none" strike="noStrike" kern="1200" cap="none" spc="0" normalizeH="0" baseline="0" noProof="0">
               <a:ln>
@@ -19058,7 +19110,7 @@
                 <a:tabLst/>
                 <a:defRPr/>
               </a:pPr>
-              <a:t>9/4/2025</a:t>
+              <a:t>9/11/2025</a:t>
             </a:fld>
             <a:endParaRPr kumimoji="0" lang="en-US" sz="900" b="0" i="0" u="none" strike="noStrike" kern="1200" cap="none" spc="0" normalizeH="0" baseline="0" noProof="0">
               <a:ln>
@@ -19654,7 +19706,7 @@
                 <a:tabLst/>
                 <a:defRPr/>
               </a:pPr>
-              <a:t>9/4/2025</a:t>
+              <a:t>9/11/2025</a:t>
             </a:fld>
             <a:endParaRPr kumimoji="0" lang="en-US" sz="900" b="0" i="0" u="none" strike="noStrike" kern="1200" cap="none" spc="0" normalizeH="0" baseline="0" noProof="0">
               <a:ln>
@@ -20675,7 +20727,7 @@
           <a:p>
             <a:r>
               <a:rPr lang="en-US" dirty="0"/>
-              <a:t>Q: What is the result of 1001 + 0011?</a:t>
+              <a:t>Q: Consider a 4-bit system. What is the result of 1001 + 0011?</a:t>
             </a:r>
           </a:p>
           <a:p>
@@ -27136,15 +27188,7 @@
             </a:r>
             <a:r>
               <a:rPr lang="en-US" dirty="0"/>
-              <a:t>1011-0110 = 0101, so </a:t>
-            </a:r>
-            <a:r>
-              <a:rPr lang="en-US"/>
-              <a:t>the computed result </a:t>
-            </a:r>
-            <a:r>
-              <a:rPr lang="en-US" dirty="0"/>
-              <a:t>is 0101 (5 in decimal) for both cases. </a:t>
+              <a:t>1011-0110 = 0101 (carry bit discarded), so the computed result is 0101 (5 in decimal) for both cases. </a:t>
             </a:r>
           </a:p>
           <a:p>
@@ -27378,7 +27422,7 @@
         <p:spPr/>
         <p:txBody>
           <a:bodyPr>
-            <a:normAutofit lnSpcReduction="10000"/>
+            <a:normAutofit fontScale="92500"/>
           </a:bodyPr>
           <a:lstStyle/>
           <a:p>
@@ -27426,7 +27470,7 @@
             </a:r>
             <a:r>
               <a:rPr lang="en-US" dirty="0"/>
-              <a:t>1011 = 1011, so the computed result is 11 in decimal for unsigned, or </a:t>
+              <a:t>1011 = 1011 (borrow bit discarded), so the computed result is 11 in decimal for unsigned, or </a:t>
             </a:r>
             <a:r>
               <a:rPr lang="en-US" altLang="zh-CN" dirty="0"/>
@@ -27689,7 +27733,7 @@
           <a:p>
             <a:r>
               <a:rPr lang="en-US" dirty="0"/>
-              <a:t>1. Overflow is impossible when subtracting one unsigned number from another. </a:t>
+              <a:t>1. Borrow=1 is impossible when subtracting one unsigned number from another. </a:t>
             </a:r>
             <a:r>
               <a:rPr lang="en-US" dirty="0">
@@ -27703,7 +27747,7 @@
           <a:p>
             <a:r>
               <a:rPr lang="en-US" dirty="0"/>
-              <a:t>2. Overflow is impossible when subtracting two signed operands of the same sign.  </a:t>
+              <a:t>2. Overflow=1 is impossible when subtracting two signed operands of the same sign.  </a:t>
             </a:r>
             <a:r>
               <a:rPr lang="en-US" dirty="0">
@@ -27730,12 +27774,8 @@
           </a:p>
           <a:p>
             <a:r>
-              <a:rPr lang="en-US"/>
-              <a:t>4. </a:t>
-            </a:r>
-            <a:r>
               <a:rPr lang="en-US" dirty="0"/>
-              <a:t>In 2’s complement, the absolute values of smallest negative and </a:t>
+              <a:t>4. In 2’s complement, the absolute values of smallest negative and </a:t>
             </a:r>
             <a:r>
               <a:rPr lang="en-US" altLang="zh-CN" dirty="0"/>

--- a/PPTs/L1 Data Representation Exercises ANS.pptx
+++ b/PPTs/L1 Data Representation Exercises ANS.pptx
@@ -160,7 +160,7 @@
 <file path=ppt/revisionInfo.xml><?xml version="1.0" encoding="utf-8"?>
 <p1510:revInfo xmlns:a="http://schemas.openxmlformats.org/drawingml/2006/main" xmlns:r="http://schemas.openxmlformats.org/officeDocument/2006/relationships" xmlns:p1510="http://schemas.microsoft.com/office/powerpoint/2015/10/main">
   <p1510:revLst>
-    <p1510:client id="{0D7B9918-F8B8-448A-BE73-9D4DAA7963B4}" v="49" dt="2025-09-11T23:48:53.230"/>
+    <p1510:client id="{0D7B9918-F8B8-448A-BE73-9D4DAA7963B4}" v="57" dt="2025-09-22T01:50:06.096"/>
   </p1510:revLst>
 </p1510:revInfo>
 </file>
@@ -169,8 +169,8 @@
 <pc:chgInfo xmlns:a="http://schemas.openxmlformats.org/drawingml/2006/main" xmlns:r="http://schemas.openxmlformats.org/officeDocument/2006/relationships" xmlns:ac="http://schemas.microsoft.com/office/drawing/2013/main/command" xmlns:pc="http://schemas.microsoft.com/office/powerpoint/2013/main/command">
   <pc:docChgLst>
     <pc:chgData name="Zonghua Gu" userId="9a7e1853e1951ef5" providerId="LiveId" clId="{CF1FAA12-072C-4ED5-BA76-0FFFAEFDB88A}"/>
-    <pc:docChg chg="undo custSel modSld">
-      <pc:chgData name="Zonghua Gu" userId="9a7e1853e1951ef5" providerId="LiveId" clId="{CF1FAA12-072C-4ED5-BA76-0FFFAEFDB88A}" dt="2025-09-11T23:48:53.230" v="200"/>
+    <pc:docChg chg="undo custSel addSld delSld modSld">
+      <pc:chgData name="Zonghua Gu" userId="9a7e1853e1951ef5" providerId="LiveId" clId="{CF1FAA12-072C-4ED5-BA76-0FFFAEFDB88A}" dt="2025-09-22T01:50:10.314" v="266" actId="1076"/>
       <pc:docMkLst>
         <pc:docMk/>
       </pc:docMkLst>
@@ -287,6 +287,124 @@
           </ac:spMkLst>
         </pc:spChg>
       </pc:sldChg>
+      <pc:sldChg chg="modSp mod">
+        <pc:chgData name="Zonghua Gu" userId="9a7e1853e1951ef5" providerId="LiveId" clId="{CF1FAA12-072C-4ED5-BA76-0FFFAEFDB88A}" dt="2025-09-22T01:50:10.314" v="266" actId="1076"/>
+        <pc:sldMkLst>
+          <pc:docMk/>
+          <pc:sldMk cId="2623990252" sldId="383"/>
+        </pc:sldMkLst>
+        <pc:spChg chg="mod">
+          <ac:chgData name="Zonghua Gu" userId="9a7e1853e1951ef5" providerId="LiveId" clId="{CF1FAA12-072C-4ED5-BA76-0FFFAEFDB88A}" dt="2025-09-22T01:50:10.314" v="266" actId="1076"/>
+          <ac:spMkLst>
+            <pc:docMk/>
+            <pc:sldMk cId="2623990252" sldId="383"/>
+            <ac:spMk id="16" creationId="{00000000-0000-0000-0000-000000000000}"/>
+          </ac:spMkLst>
+        </pc:spChg>
+        <pc:spChg chg="mod">
+          <ac:chgData name="Zonghua Gu" userId="9a7e1853e1951ef5" providerId="LiveId" clId="{CF1FAA12-072C-4ED5-BA76-0FFFAEFDB88A}" dt="2025-09-22T01:50:06.096" v="265" actId="1036"/>
+          <ac:spMkLst>
+            <pc:docMk/>
+            <pc:sldMk cId="2623990252" sldId="383"/>
+            <ac:spMk id="17" creationId="{00000000-0000-0000-0000-000000000000}"/>
+          </ac:spMkLst>
+        </pc:spChg>
+        <pc:spChg chg="mod">
+          <ac:chgData name="Zonghua Gu" userId="9a7e1853e1951ef5" providerId="LiveId" clId="{CF1FAA12-072C-4ED5-BA76-0FFFAEFDB88A}" dt="2025-09-22T01:50:06.096" v="265" actId="1036"/>
+          <ac:spMkLst>
+            <pc:docMk/>
+            <pc:sldMk cId="2623990252" sldId="383"/>
+            <ac:spMk id="18" creationId="{00000000-0000-0000-0000-000000000000}"/>
+          </ac:spMkLst>
+        </pc:spChg>
+        <pc:spChg chg="mod">
+          <ac:chgData name="Zonghua Gu" userId="9a7e1853e1951ef5" providerId="LiveId" clId="{CF1FAA12-072C-4ED5-BA76-0FFFAEFDB88A}" dt="2025-09-22T01:50:06.096" v="265" actId="1036"/>
+          <ac:spMkLst>
+            <pc:docMk/>
+            <pc:sldMk cId="2623990252" sldId="383"/>
+            <ac:spMk id="19" creationId="{00000000-0000-0000-0000-000000000000}"/>
+          </ac:spMkLst>
+        </pc:spChg>
+        <pc:spChg chg="mod">
+          <ac:chgData name="Zonghua Gu" userId="9a7e1853e1951ef5" providerId="LiveId" clId="{CF1FAA12-072C-4ED5-BA76-0FFFAEFDB88A}" dt="2025-09-22T01:50:06.096" v="265" actId="1036"/>
+          <ac:spMkLst>
+            <pc:docMk/>
+            <pc:sldMk cId="2623990252" sldId="383"/>
+            <ac:spMk id="20" creationId="{00000000-0000-0000-0000-000000000000}"/>
+          </ac:spMkLst>
+        </pc:spChg>
+        <pc:spChg chg="mod">
+          <ac:chgData name="Zonghua Gu" userId="9a7e1853e1951ef5" providerId="LiveId" clId="{CF1FAA12-072C-4ED5-BA76-0FFFAEFDB88A}" dt="2025-09-22T01:50:06.096" v="265" actId="1036"/>
+          <ac:spMkLst>
+            <pc:docMk/>
+            <pc:sldMk cId="2623990252" sldId="383"/>
+            <ac:spMk id="21" creationId="{00000000-0000-0000-0000-000000000000}"/>
+          </ac:spMkLst>
+        </pc:spChg>
+        <pc:spChg chg="mod">
+          <ac:chgData name="Zonghua Gu" userId="9a7e1853e1951ef5" providerId="LiveId" clId="{CF1FAA12-072C-4ED5-BA76-0FFFAEFDB88A}" dt="2025-09-22T01:50:06.096" v="265" actId="1036"/>
+          <ac:spMkLst>
+            <pc:docMk/>
+            <pc:sldMk cId="2623990252" sldId="383"/>
+            <ac:spMk id="22" creationId="{00000000-0000-0000-0000-000000000000}"/>
+          </ac:spMkLst>
+        </pc:spChg>
+        <pc:spChg chg="mod">
+          <ac:chgData name="Zonghua Gu" userId="9a7e1853e1951ef5" providerId="LiveId" clId="{CF1FAA12-072C-4ED5-BA76-0FFFAEFDB88A}" dt="2025-09-22T01:50:06.096" v="265" actId="1036"/>
+          <ac:spMkLst>
+            <pc:docMk/>
+            <pc:sldMk cId="2623990252" sldId="383"/>
+            <ac:spMk id="23" creationId="{00000000-0000-0000-0000-000000000000}"/>
+          </ac:spMkLst>
+        </pc:spChg>
+        <pc:spChg chg="mod">
+          <ac:chgData name="Zonghua Gu" userId="9a7e1853e1951ef5" providerId="LiveId" clId="{CF1FAA12-072C-4ED5-BA76-0FFFAEFDB88A}" dt="2025-09-22T01:50:06.096" v="265" actId="1036"/>
+          <ac:spMkLst>
+            <pc:docMk/>
+            <pc:sldMk cId="2623990252" sldId="383"/>
+            <ac:spMk id="24" creationId="{00000000-0000-0000-0000-000000000000}"/>
+          </ac:spMkLst>
+        </pc:spChg>
+        <pc:spChg chg="mod">
+          <ac:chgData name="Zonghua Gu" userId="9a7e1853e1951ef5" providerId="LiveId" clId="{CF1FAA12-072C-4ED5-BA76-0FFFAEFDB88A}" dt="2025-09-22T01:50:06.096" v="265" actId="1036"/>
+          <ac:spMkLst>
+            <pc:docMk/>
+            <pc:sldMk cId="2623990252" sldId="383"/>
+            <ac:spMk id="38917" creationId="{00000000-0000-0000-0000-000000000000}"/>
+          </ac:spMkLst>
+        </pc:spChg>
+        <pc:graphicFrameChg chg="mod">
+          <ac:chgData name="Zonghua Gu" userId="9a7e1853e1951ef5" providerId="LiveId" clId="{CF1FAA12-072C-4ED5-BA76-0FFFAEFDB88A}" dt="2025-09-22T01:50:06.096" v="265" actId="1036"/>
+          <ac:graphicFrameMkLst>
+            <pc:docMk/>
+            <pc:sldMk cId="2623990252" sldId="383"/>
+            <ac:graphicFrameMk id="39012" creationId="{00000000-0000-0000-0000-000000000000}"/>
+          </ac:graphicFrameMkLst>
+        </pc:graphicFrameChg>
+      </pc:sldChg>
+      <pc:sldChg chg="modSp new del mod">
+        <pc:chgData name="Zonghua Gu" userId="9a7e1853e1951ef5" providerId="LiveId" clId="{CF1FAA12-072C-4ED5-BA76-0FFFAEFDB88A}" dt="2025-09-22T01:28:57.058" v="259" actId="2696"/>
+        <pc:sldMkLst>
+          <pc:docMk/>
+          <pc:sldMk cId="1456166100" sldId="384"/>
+        </pc:sldMkLst>
+        <pc:spChg chg="mod">
+          <ac:chgData name="Zonghua Gu" userId="9a7e1853e1951ef5" providerId="LiveId" clId="{CF1FAA12-072C-4ED5-BA76-0FFFAEFDB88A}" dt="2025-09-22T01:28:02.930" v="254" actId="20577"/>
+          <ac:spMkLst>
+            <pc:docMk/>
+            <pc:sldMk cId="1456166100" sldId="384"/>
+            <ac:spMk id="2" creationId="{F03CE9CC-DEC3-BC36-FF0A-FD088EB33CA9}"/>
+          </ac:spMkLst>
+        </pc:spChg>
+        <pc:spChg chg="mod">
+          <ac:chgData name="Zonghua Gu" userId="9a7e1853e1951ef5" providerId="LiveId" clId="{CF1FAA12-072C-4ED5-BA76-0FFFAEFDB88A}" dt="2025-09-22T01:28:44.738" v="258"/>
+          <ac:spMkLst>
+            <pc:docMk/>
+            <pc:sldMk cId="1456166100" sldId="384"/>
+            <ac:spMk id="4" creationId="{FD21DA5F-0B0C-5E4B-FFBA-4A8692F7A975}"/>
+          </ac:spMkLst>
+        </pc:spChg>
+      </pc:sldChg>
     </pc:docChg>
   </pc:docChgLst>
 </pc:chgInfo>
@@ -375,7 +493,7 @@
             <a:fld id="{2AEAFE1F-9E52-45C8-9793-E819F0044A1C}" type="datetimeFigureOut">
               <a:rPr lang="en-US" smtClean="0"/>
               <a:pPr/>
-              <a:t>9/11/2025</a:t>
+              <a:t>9/21/2025</a:t>
             </a:fld>
             <a:endParaRPr lang="en-US"/>
           </a:p>
@@ -2348,7 +2466,7 @@
             <a:fld id="{2E26774B-6488-4259-9342-6CBDB2BFD4E4}" type="datetime1">
               <a:rPr lang="en-US" smtClean="0"/>
               <a:pPr eaLnBrk="1" latinLnBrk="0" hangingPunct="1"/>
-              <a:t>9/11/2025</a:t>
+              <a:t>9/21/2025</a:t>
             </a:fld>
             <a:endParaRPr lang="en-US" sz="1600" dirty="0"/>
           </a:p>
@@ -2723,7 +2841,7 @@
             <a:fld id="{9B2E7711-0BE3-4AFC-959B-CB5C31A7AE48}" type="datetime1">
               <a:rPr lang="en-US" smtClean="0"/>
               <a:pPr eaLnBrk="1" latinLnBrk="0" hangingPunct="1"/>
-              <a:t>9/11/2025</a:t>
+              <a:t>9/21/2025</a:t>
             </a:fld>
             <a:endParaRPr lang="en-US"/>
           </a:p>
@@ -2924,7 +3042,7 @@
             <a:fld id="{825AAB62-A572-4E37-B772-B4A75ADE0B18}" type="datetime1">
               <a:rPr lang="en-US" smtClean="0"/>
               <a:pPr eaLnBrk="1" latinLnBrk="0" hangingPunct="1"/>
-              <a:t>9/11/2025</a:t>
+              <a:t>9/21/2025</a:t>
             </a:fld>
             <a:endParaRPr lang="en-US"/>
           </a:p>
@@ -4974,7 +5092,7 @@
             <a:fld id="{B0F52420-10F8-488E-969A-A9BE388BE9C4}" type="datetime1">
               <a:rPr lang="en-US" smtClean="0"/>
               <a:pPr eaLnBrk="1" latinLnBrk="0" hangingPunct="1"/>
-              <a:t>9/11/2025</a:t>
+              <a:t>9/21/2025</a:t>
             </a:fld>
             <a:endParaRPr lang="en-US" dirty="0"/>
           </a:p>
@@ -6286,7 +6404,7 @@
           <a:p>
             <a:fld id="{C31F198E-4891-0744-982A-035A8E9D5E57}" type="datetime1">
               <a:rPr lang="en-US" smtClean="0"/>
-              <a:t>9/11/2025</a:t>
+              <a:t>9/21/2025</a:t>
             </a:fld>
             <a:endParaRPr lang="en-US"/>
           </a:p>
@@ -6484,7 +6602,7 @@
           <a:p>
             <a:fld id="{69240954-B576-9D4D-A4A4-BAF4EBC7B2CF}" type="datetime1">
               <a:rPr lang="en-US" smtClean="0"/>
-              <a:t>9/11/2025</a:t>
+              <a:t>9/21/2025</a:t>
             </a:fld>
             <a:endParaRPr lang="en-US"/>
           </a:p>
@@ -6759,7 +6877,7 @@
           <a:p>
             <a:fld id="{CBDD84B5-E081-4443-9C9D-23B64540996F}" type="datetime1">
               <a:rPr lang="en-US" smtClean="0"/>
-              <a:t>9/11/2025</a:t>
+              <a:t>9/21/2025</a:t>
             </a:fld>
             <a:endParaRPr lang="en-US"/>
           </a:p>
@@ -7074,7 +7192,7 @@
           <a:p>
             <a:fld id="{7203B415-761D-814B-B6F6-D8584C5DFB68}" type="datetime1">
               <a:rPr lang="en-US" smtClean="0"/>
-              <a:t>9/11/2025</a:t>
+              <a:t>9/21/2025</a:t>
             </a:fld>
             <a:endParaRPr lang="en-US"/>
           </a:p>
@@ -7523,7 +7641,7 @@
           <a:p>
             <a:fld id="{CE4CC544-E270-624B-A146-427A1328771C}" type="datetime1">
               <a:rPr lang="en-US" smtClean="0"/>
-              <a:t>9/11/2025</a:t>
+              <a:t>9/21/2025</a:t>
             </a:fld>
             <a:endParaRPr lang="en-US"/>
           </a:p>
@@ -7774,7 +7892,7 @@
             <a:fld id="{96E96F24-58CF-47DA-907C-A9CD6353E425}" type="datetime1">
               <a:rPr lang="en-US" smtClean="0"/>
               <a:pPr eaLnBrk="1" latinLnBrk="0" hangingPunct="1"/>
-              <a:t>9/11/2025</a:t>
+              <a:t>9/21/2025</a:t>
             </a:fld>
             <a:endParaRPr lang="en-US" dirty="0"/>
           </a:p>
@@ -7995,7 +8113,7 @@
           <a:p>
             <a:fld id="{3CEF9BDF-98D8-2E40-B9CD-119F66CA07F0}" type="datetime1">
               <a:rPr lang="en-US" smtClean="0"/>
-              <a:t>9/11/2025</a:t>
+              <a:t>9/21/2025</a:t>
             </a:fld>
             <a:endParaRPr lang="en-US"/>
           </a:p>
@@ -8120,7 +8238,7 @@
           <a:p>
             <a:fld id="{E6FB255F-2FE0-274D-998F-31FB20EFB046}" type="datetime1">
               <a:rPr lang="en-US" smtClean="0"/>
-              <a:t>9/11/2025</a:t>
+              <a:t>9/21/2025</a:t>
             </a:fld>
             <a:endParaRPr lang="en-US"/>
           </a:p>
@@ -8425,7 +8543,7 @@
           <a:p>
             <a:fld id="{C3975A16-A311-5046-89EC-B02DC029DBB6}" type="datetime1">
               <a:rPr lang="en-US" smtClean="0"/>
-              <a:t>9/11/2025</a:t>
+              <a:t>9/21/2025</a:t>
             </a:fld>
             <a:endParaRPr lang="en-US"/>
           </a:p>
@@ -8707,7 +8825,7 @@
           <a:p>
             <a:fld id="{11CADE38-462A-F74A-9AF0-365C45329AEC}" type="datetime1">
               <a:rPr lang="en-US" smtClean="0"/>
-              <a:t>9/11/2025</a:t>
+              <a:t>9/21/2025</a:t>
             </a:fld>
             <a:endParaRPr lang="en-US"/>
           </a:p>
@@ -8887,7 +9005,7 @@
           <a:p>
             <a:fld id="{27E5EB6D-9795-774A-B846-CEE32CCDB9F4}" type="datetime1">
               <a:rPr lang="en-US" smtClean="0"/>
-              <a:t>9/11/2025</a:t>
+              <a:t>9/21/2025</a:t>
             </a:fld>
             <a:endParaRPr lang="en-US"/>
           </a:p>
@@ -9077,7 +9195,7 @@
           <a:p>
             <a:fld id="{2D2FCB11-01EB-AC45-9E2D-185B38D86EC5}" type="datetime1">
               <a:rPr lang="en-US" smtClean="0"/>
-              <a:t>9/11/2025</a:t>
+              <a:t>9/21/2025</a:t>
             </a:fld>
             <a:endParaRPr lang="en-US"/>
           </a:p>
@@ -10127,7 +10245,7 @@
             <a:fld id="{53AE4463-726A-4A35-9F46-98893432A3F9}" type="datetime1">
               <a:rPr lang="en-US" smtClean="0"/>
               <a:pPr eaLnBrk="1" latinLnBrk="0" hangingPunct="1"/>
-              <a:t>9/11/2025</a:t>
+              <a:t>9/21/2025</a:t>
             </a:fld>
             <a:endParaRPr lang="en-US"/>
           </a:p>
@@ -12177,7 +12295,7 @@
             <a:fld id="{FDF404D0-E306-4E90-90E3-E44D26246FFC}" type="datetime1">
               <a:rPr lang="en-US" smtClean="0"/>
               <a:pPr eaLnBrk="1" latinLnBrk="0" hangingPunct="1"/>
-              <a:t>9/11/2025</a:t>
+              <a:t>9/21/2025</a:t>
             </a:fld>
             <a:endParaRPr lang="en-US"/>
           </a:p>
@@ -12435,7 +12553,7 @@
             <a:fld id="{1485DA14-76F0-4D93-83FB-7878C79A1986}" type="datetime1">
               <a:rPr lang="en-US" smtClean="0"/>
               <a:pPr eaLnBrk="1" latinLnBrk="0" hangingPunct="1"/>
-              <a:t>9/11/2025</a:t>
+              <a:t>9/21/2025</a:t>
             </a:fld>
             <a:endParaRPr lang="en-US"/>
           </a:p>
@@ -12602,7 +12720,7 @@
             <a:fld id="{A15E552D-49E1-496B-B79C-E100986B8B5F}" type="datetime1">
               <a:rPr lang="en-US" smtClean="0"/>
               <a:pPr eaLnBrk="1" latinLnBrk="0" hangingPunct="1"/>
-              <a:t>9/11/2025</a:t>
+              <a:t>9/21/2025</a:t>
             </a:fld>
             <a:endParaRPr lang="en-US"/>
           </a:p>
@@ -12905,7 +13023,7 @@
             <a:fld id="{CEC72505-1551-4A98-97CD-F520B07184AD}" type="datetime1">
               <a:rPr lang="en-US" smtClean="0"/>
               <a:pPr eaLnBrk="1" latinLnBrk="0" hangingPunct="1"/>
-              <a:t>9/11/2025</a:t>
+              <a:t>9/21/2025</a:t>
             </a:fld>
             <a:endParaRPr lang="en-US"/>
           </a:p>
@@ -13338,7 +13456,7 @@
             <a:fld id="{7218F47B-BA16-4F20-B5BA-73F598D94B51}" type="datetime1">
               <a:rPr lang="en-US" smtClean="0"/>
               <a:pPr eaLnBrk="1" latinLnBrk="0" hangingPunct="1"/>
-              <a:t>9/11/2025</a:t>
+              <a:t>9/21/2025</a:t>
             </a:fld>
             <a:endParaRPr lang="en-US"/>
           </a:p>
@@ -15000,7 +15118,7 @@
           <a:p>
             <a:fld id="{20BAFD48-45E2-B54F-B7CB-E8D59064A99E}" type="datetime1">
               <a:rPr lang="en-US" smtClean="0"/>
-              <a:t>9/11/2025</a:t>
+              <a:t>9/21/2025</a:t>
             </a:fld>
             <a:endParaRPr lang="en-US"/>
           </a:p>
@@ -17426,7 +17544,7 @@
                 <a:tabLst/>
                 <a:defRPr/>
               </a:pPr>
-              <a:t>9/11/2025</a:t>
+              <a:t>9/21/2025</a:t>
             </a:fld>
             <a:endParaRPr kumimoji="0" lang="en-US" sz="900" b="0" i="0" u="none" strike="noStrike" kern="1200" cap="none" spc="0" normalizeH="0" baseline="0" noProof="0">
               <a:ln>
@@ -18022,7 +18140,7 @@
                 <a:tabLst/>
                 <a:defRPr/>
               </a:pPr>
-              <a:t>9/11/2025</a:t>
+              <a:t>9/21/2025</a:t>
             </a:fld>
             <a:endParaRPr kumimoji="0" lang="en-US" sz="900" b="0" i="0" u="none" strike="noStrike" kern="1200" cap="none" spc="0" normalizeH="0" baseline="0" noProof="0">
               <a:ln>
@@ -19110,7 +19228,7 @@
                 <a:tabLst/>
                 <a:defRPr/>
               </a:pPr>
-              <a:t>9/11/2025</a:t>
+              <a:t>9/21/2025</a:t>
             </a:fld>
             <a:endParaRPr kumimoji="0" lang="en-US" sz="900" b="0" i="0" u="none" strike="noStrike" kern="1200" cap="none" spc="0" normalizeH="0" baseline="0" noProof="0">
               <a:ln>
@@ -19706,7 +19824,7 @@
                 <a:tabLst/>
                 <a:defRPr/>
               </a:pPr>
-              <a:t>9/11/2025</a:t>
+              <a:t>9/21/2025</a:t>
             </a:fld>
             <a:endParaRPr kumimoji="0" lang="en-US" sz="900" b="0" i="0" u="none" strike="noStrike" kern="1200" cap="none" spc="0" normalizeH="0" baseline="0" noProof="0">
               <a:ln>
@@ -23390,7 +23508,7 @@
         </p:nvSpPr>
         <p:spPr bwMode="auto">
           <a:xfrm>
-            <a:off x="609600" y="3751151"/>
+            <a:off x="609600" y="3384790"/>
             <a:ext cx="8083550" cy="2354491"/>
           </a:xfrm>
           <a:prstGeom prst="rect">
@@ -23892,10 +24010,16 @@
           <p:cNvGraphicFramePr>
             <a:graphicFrameLocks noGrp="1"/>
           </p:cNvGraphicFramePr>
-          <p:nvPr/>
+          <p:nvPr>
+            <p:extLst>
+              <p:ext uri="{D42A27DB-BD31-4B8C-83A1-F6EECF244321}">
+                <p14:modId xmlns:p14="http://schemas.microsoft.com/office/powerpoint/2010/main" val="468993760"/>
+              </p:ext>
+            </p:extLst>
+          </p:nvPr>
         </p:nvGraphicFramePr>
         <p:xfrm>
-          <a:off x="1447800" y="1524000"/>
+          <a:off x="1447800" y="1157639"/>
           <a:ext cx="5715000" cy="2362201"/>
         </p:xfrm>
         <a:graphic>
@@ -24636,7 +24760,7 @@
         </p:nvSpPr>
         <p:spPr bwMode="auto">
           <a:xfrm>
-            <a:off x="3340970" y="5956300"/>
+            <a:off x="3340970" y="5589939"/>
             <a:ext cx="1943100" cy="400050"/>
           </a:xfrm>
           <a:prstGeom prst="rect">
@@ -24685,7 +24809,7 @@
         </p:nvSpPr>
         <p:spPr bwMode="auto">
           <a:xfrm>
-            <a:off x="3271914" y="5717505"/>
+            <a:off x="3271914" y="5351144"/>
             <a:ext cx="380232" cy="323165"/>
           </a:xfrm>
           <a:prstGeom prst="rect">
@@ -24735,7 +24859,7 @@
         </p:nvSpPr>
         <p:spPr bwMode="auto">
           <a:xfrm>
-            <a:off x="4998320" y="5706789"/>
+            <a:off x="4998320" y="5340428"/>
             <a:ext cx="282450" cy="323165"/>
           </a:xfrm>
           <a:prstGeom prst="rect">
@@ -24783,7 +24907,7 @@
         </p:nvSpPr>
         <p:spPr>
           <a:xfrm>
-            <a:off x="3340970" y="5956300"/>
+            <a:off x="3340970" y="5589939"/>
             <a:ext cx="159741" cy="399772"/>
           </a:xfrm>
           <a:prstGeom prst="rect">
@@ -24836,7 +24960,7 @@
         </p:nvSpPr>
         <p:spPr>
           <a:xfrm>
-            <a:off x="3503092" y="5956022"/>
+            <a:off x="3503092" y="5589661"/>
             <a:ext cx="159741" cy="399772"/>
           </a:xfrm>
           <a:prstGeom prst="rect">
@@ -24889,7 +25013,7 @@
         </p:nvSpPr>
         <p:spPr>
           <a:xfrm>
-            <a:off x="3665215" y="5955465"/>
+            <a:off x="3665215" y="5589104"/>
             <a:ext cx="159741" cy="399772"/>
           </a:xfrm>
           <a:prstGeom prst="rect">
@@ -24942,7 +25066,7 @@
         </p:nvSpPr>
         <p:spPr>
           <a:xfrm>
-            <a:off x="3824956" y="5955464"/>
+            <a:off x="3824956" y="5589103"/>
             <a:ext cx="159741" cy="399772"/>
           </a:xfrm>
           <a:prstGeom prst="rect">
@@ -24995,7 +25119,7 @@
         </p:nvSpPr>
         <p:spPr>
           <a:xfrm>
-            <a:off x="2878666" y="6390879"/>
+            <a:off x="2878666" y="6024518"/>
             <a:ext cx="2941896" cy="300082"/>
           </a:xfrm>
           <a:prstGeom prst="rect">
@@ -25036,7 +25160,7 @@
         </p:nvSpPr>
         <p:spPr>
           <a:xfrm>
-            <a:off x="294068" y="178297"/>
+            <a:off x="274853" y="110402"/>
             <a:ext cx="1265712" cy="762000"/>
           </a:xfrm>
           <a:prstGeom prst="horizontalScroll">
